--- a/final-megane34/完成/GPS旅日記.pptx
+++ b/final-megane34/完成/GPS旅日記.pptx
@@ -6255,7 +6255,7 @@
           <a:p>
             <a:r>
               <a:rPr kumimoji="1" lang="en-US" altLang="ja-JP" sz="1800" dirty="0" smtClean="0"/>
-              <a:t>21511524 </a:t>
+              <a:t>21511324 </a:t>
             </a:r>
             <a:r>
               <a:rPr kumimoji="1" lang="ja-JP" altLang="en-US" sz="1800" dirty="0" smtClean="0"/>
